--- a/domain adp/plot.pptx
+++ b/domain adp/plot.pptx
@@ -104,6 +104,11 @@
       </a:defRPr>
     </a:lvl9pPr>
   </p:defaultTextStyle>
+  <p:extLst>
+    <p:ext uri="{EFAFB233-063F-42B5-8137-9DF3F51BA10A}">
+      <p15:sldGuideLst xmlns:p15="http://schemas.microsoft.com/office/powerpoint/2012/main"/>
+    </p:ext>
+  </p:extLst>
 </p:presentation>
 </file>
 
@@ -3350,8 +3355,8 @@
           </a:prstGeom>
         </p:spPr>
       </p:pic>
-      <mc:AlternateContent xmlns:mc="http://schemas.openxmlformats.org/markup-compatibility/2006">
-        <mc:Choice xmlns:a14="http://schemas.microsoft.com/office/drawing/2010/main" Requires="a14">
+      <mc:AlternateContent xmlns:mc="http://schemas.openxmlformats.org/markup-compatibility/2006" xmlns:a14="http://schemas.microsoft.com/office/drawing/2010/main">
+        <mc:Choice Requires="a14">
           <p:sp>
             <p:nvSpPr>
               <p:cNvPr id="6" name="文本框 5">
@@ -3380,6 +3385,7 @@
               </a:bodyPr>
               <a:lstStyle/>
               <a:p>
+                <a:pPr/>
                 <a14:m>
                   <m:oMathPara xmlns:m="http://schemas.openxmlformats.org/officeDocument/2006/math">
                     <m:oMathParaPr>
@@ -3419,7 +3425,7 @@
             </p:txBody>
           </p:sp>
         </mc:Choice>
-        <mc:Fallback>
+        <mc:Fallback xmlns="">
           <p:sp>
             <p:nvSpPr>
               <p:cNvPr id="6" name="文本框 5">
@@ -3464,8 +3470,8 @@
           </p:sp>
         </mc:Fallback>
       </mc:AlternateContent>
-      <mc:AlternateContent xmlns:mc="http://schemas.openxmlformats.org/markup-compatibility/2006">
-        <mc:Choice xmlns:a14="http://schemas.microsoft.com/office/drawing/2010/main" Requires="a14">
+      <mc:AlternateContent xmlns:mc="http://schemas.openxmlformats.org/markup-compatibility/2006" xmlns:a14="http://schemas.microsoft.com/office/drawing/2010/main">
+        <mc:Choice Requires="a14">
           <p:sp>
             <p:nvSpPr>
               <p:cNvPr id="7" name="文本框 6">
@@ -3494,6 +3500,7 @@
               </a:bodyPr>
               <a:lstStyle/>
               <a:p>
+                <a:pPr/>
                 <a14:m>
                   <m:oMathPara xmlns:m="http://schemas.openxmlformats.org/officeDocument/2006/math">
                     <m:oMathParaPr>
@@ -3533,7 +3540,7 @@
             </p:txBody>
           </p:sp>
         </mc:Choice>
-        <mc:Fallback>
+        <mc:Fallback xmlns="">
           <p:sp>
             <p:nvSpPr>
               <p:cNvPr id="7" name="文本框 6">
@@ -3722,7 +3729,7 @@
         </p:nvSpPr>
         <p:spPr>
           <a:xfrm>
-            <a:off x="5808789" y="3222171"/>
+            <a:off x="5777259" y="3222171"/>
             <a:ext cx="1388522" cy="307777"/>
           </a:xfrm>
           <a:prstGeom prst="rect">

--- a/domain adp/plot.pptx
+++ b/domain adp/plot.pptx
@@ -6,6 +6,7 @@
   </p:sldMasterIdLst>
   <p:sldIdLst>
     <p:sldId id="256" r:id="rId2"/>
+    <p:sldId id="257" r:id="rId3"/>
   </p:sldIdLst>
   <p:sldSz cx="12192000" cy="6858000"/>
   <p:notesSz cx="6858000" cy="9144000"/>
@@ -259,7 +260,7 @@
           <a:p>
             <a:fld id="{4250881B-A4F6-D14E-A608-2D99907EE26B}" type="datetimeFigureOut">
               <a:rPr kumimoji="1" lang="zh-CN" altLang="en-US" smtClean="0"/>
-              <a:t>2023/7/20</a:t>
+              <a:t>2023/7/21</a:t>
             </a:fld>
             <a:endParaRPr kumimoji="1" lang="zh-CN" altLang="en-US"/>
           </a:p>
@@ -457,7 +458,7 @@
           <a:p>
             <a:fld id="{4250881B-A4F6-D14E-A608-2D99907EE26B}" type="datetimeFigureOut">
               <a:rPr kumimoji="1" lang="zh-CN" altLang="en-US" smtClean="0"/>
-              <a:t>2023/7/20</a:t>
+              <a:t>2023/7/21</a:t>
             </a:fld>
             <a:endParaRPr kumimoji="1" lang="zh-CN" altLang="en-US"/>
           </a:p>
@@ -665,7 +666,7 @@
           <a:p>
             <a:fld id="{4250881B-A4F6-D14E-A608-2D99907EE26B}" type="datetimeFigureOut">
               <a:rPr kumimoji="1" lang="zh-CN" altLang="en-US" smtClean="0"/>
-              <a:t>2023/7/20</a:t>
+              <a:t>2023/7/21</a:t>
             </a:fld>
             <a:endParaRPr kumimoji="1" lang="zh-CN" altLang="en-US"/>
           </a:p>
@@ -863,7 +864,7 @@
           <a:p>
             <a:fld id="{4250881B-A4F6-D14E-A608-2D99907EE26B}" type="datetimeFigureOut">
               <a:rPr kumimoji="1" lang="zh-CN" altLang="en-US" smtClean="0"/>
-              <a:t>2023/7/20</a:t>
+              <a:t>2023/7/21</a:t>
             </a:fld>
             <a:endParaRPr kumimoji="1" lang="zh-CN" altLang="en-US"/>
           </a:p>
@@ -1138,7 +1139,7 @@
           <a:p>
             <a:fld id="{4250881B-A4F6-D14E-A608-2D99907EE26B}" type="datetimeFigureOut">
               <a:rPr kumimoji="1" lang="zh-CN" altLang="en-US" smtClean="0"/>
-              <a:t>2023/7/20</a:t>
+              <a:t>2023/7/21</a:t>
             </a:fld>
             <a:endParaRPr kumimoji="1" lang="zh-CN" altLang="en-US"/>
           </a:p>
@@ -1403,7 +1404,7 @@
           <a:p>
             <a:fld id="{4250881B-A4F6-D14E-A608-2D99907EE26B}" type="datetimeFigureOut">
               <a:rPr kumimoji="1" lang="zh-CN" altLang="en-US" smtClean="0"/>
-              <a:t>2023/7/20</a:t>
+              <a:t>2023/7/21</a:t>
             </a:fld>
             <a:endParaRPr kumimoji="1" lang="zh-CN" altLang="en-US"/>
           </a:p>
@@ -1815,7 +1816,7 @@
           <a:p>
             <a:fld id="{4250881B-A4F6-D14E-A608-2D99907EE26B}" type="datetimeFigureOut">
               <a:rPr kumimoji="1" lang="zh-CN" altLang="en-US" smtClean="0"/>
-              <a:t>2023/7/20</a:t>
+              <a:t>2023/7/21</a:t>
             </a:fld>
             <a:endParaRPr kumimoji="1" lang="zh-CN" altLang="en-US"/>
           </a:p>
@@ -1956,7 +1957,7 @@
           <a:p>
             <a:fld id="{4250881B-A4F6-D14E-A608-2D99907EE26B}" type="datetimeFigureOut">
               <a:rPr kumimoji="1" lang="zh-CN" altLang="en-US" smtClean="0"/>
-              <a:t>2023/7/20</a:t>
+              <a:t>2023/7/21</a:t>
             </a:fld>
             <a:endParaRPr kumimoji="1" lang="zh-CN" altLang="en-US"/>
           </a:p>
@@ -2069,7 +2070,7 @@
           <a:p>
             <a:fld id="{4250881B-A4F6-D14E-A608-2D99907EE26B}" type="datetimeFigureOut">
               <a:rPr kumimoji="1" lang="zh-CN" altLang="en-US" smtClean="0"/>
-              <a:t>2023/7/20</a:t>
+              <a:t>2023/7/21</a:t>
             </a:fld>
             <a:endParaRPr kumimoji="1" lang="zh-CN" altLang="en-US"/>
           </a:p>
@@ -2380,7 +2381,7 @@
           <a:p>
             <a:fld id="{4250881B-A4F6-D14E-A608-2D99907EE26B}" type="datetimeFigureOut">
               <a:rPr kumimoji="1" lang="zh-CN" altLang="en-US" smtClean="0"/>
-              <a:t>2023/7/20</a:t>
+              <a:t>2023/7/21</a:t>
             </a:fld>
             <a:endParaRPr kumimoji="1" lang="zh-CN" altLang="en-US"/>
           </a:p>
@@ -2668,7 +2669,7 @@
           <a:p>
             <a:fld id="{4250881B-A4F6-D14E-A608-2D99907EE26B}" type="datetimeFigureOut">
               <a:rPr kumimoji="1" lang="zh-CN" altLang="en-US" smtClean="0"/>
-              <a:t>2023/7/20</a:t>
+              <a:t>2023/7/21</a:t>
             </a:fld>
             <a:endParaRPr kumimoji="1" lang="zh-CN" altLang="en-US"/>
           </a:p>
@@ -2909,7 +2910,7 @@
           <a:p>
             <a:fld id="{4250881B-A4F6-D14E-A608-2D99907EE26B}" type="datetimeFigureOut">
               <a:rPr kumimoji="1" lang="zh-CN" altLang="en-US" smtClean="0"/>
-              <a:t>2023/7/20</a:t>
+              <a:t>2023/7/21</a:t>
             </a:fld>
             <a:endParaRPr kumimoji="1" lang="zh-CN" altLang="en-US"/>
           </a:p>
@@ -3812,6 +3813,294 @@
 </p:sld>
 </file>
 
+<file path=ppt/slides/slide2.xml><?xml version="1.0" encoding="utf-8"?>
+<p:sld xmlns:a="http://schemas.openxmlformats.org/drawingml/2006/main" xmlns:r="http://schemas.openxmlformats.org/officeDocument/2006/relationships" xmlns:p="http://schemas.openxmlformats.org/presentationml/2006/main">
+  <p:cSld>
+    <p:spTree>
+      <p:nvGrpSpPr>
+        <p:cNvPr id="1" name=""/>
+        <p:cNvGrpSpPr/>
+        <p:nvPr/>
+      </p:nvGrpSpPr>
+      <p:grpSpPr>
+        <a:xfrm>
+          <a:off x="0" y="0"/>
+          <a:ext cx="0" cy="0"/>
+          <a:chOff x="0" y="0"/>
+          <a:chExt cx="0" cy="0"/>
+        </a:xfrm>
+      </p:grpSpPr>
+      <p:pic>
+        <p:nvPicPr>
+          <p:cNvPr id="5" name="图片 4">
+            <a:extLst>
+              <a:ext uri="{FF2B5EF4-FFF2-40B4-BE49-F238E27FC236}">
+                <a16:creationId xmlns:a16="http://schemas.microsoft.com/office/drawing/2014/main" id="{3B8B3259-5CB1-3045-3109-AE58B8455AD8}"/>
+              </a:ext>
+            </a:extLst>
+          </p:cNvPr>
+          <p:cNvPicPr>
+            <a:picLocks noChangeAspect="1"/>
+          </p:cNvPicPr>
+          <p:nvPr/>
+        </p:nvPicPr>
+        <p:blipFill>
+          <a:blip r:embed="rId2"/>
+          <a:stretch>
+            <a:fillRect/>
+          </a:stretch>
+        </p:blipFill>
+        <p:spPr>
+          <a:xfrm>
+            <a:off x="3448050" y="952500"/>
+            <a:ext cx="5295900" cy="4953000"/>
+          </a:xfrm>
+          <a:prstGeom prst="rect">
+            <a:avLst/>
+          </a:prstGeom>
+        </p:spPr>
+      </p:pic>
+      <mc:AlternateContent xmlns:mc="http://schemas.openxmlformats.org/markup-compatibility/2006">
+        <mc:Choice xmlns:a14="http://schemas.microsoft.com/office/drawing/2010/main" Requires="a14">
+          <p:sp>
+            <p:nvSpPr>
+              <p:cNvPr id="6" name="文本框 5">
+                <a:extLst>
+                  <a:ext uri="{FF2B5EF4-FFF2-40B4-BE49-F238E27FC236}">
+                    <a16:creationId xmlns:a16="http://schemas.microsoft.com/office/drawing/2014/main" id="{0A40D7C4-1911-EBB9-3B49-BDEAD66D3E89}"/>
+                  </a:ext>
+                </a:extLst>
+              </p:cNvPr>
+              <p:cNvSpPr txBox="1"/>
+              <p:nvPr/>
+            </p:nvSpPr>
+            <p:spPr>
+              <a:xfrm>
+                <a:off x="5381297" y="5720834"/>
+                <a:ext cx="455766" cy="369332"/>
+              </a:xfrm>
+              <a:prstGeom prst="rect">
+                <a:avLst/>
+              </a:prstGeom>
+              <a:noFill/>
+            </p:spPr>
+            <p:txBody>
+              <a:bodyPr wrap="none" rtlCol="0">
+                <a:spAutoFit/>
+              </a:bodyPr>
+              <a:lstStyle/>
+              <a:p>
+                <a14:m>
+                  <m:oMathPara xmlns:m="http://schemas.openxmlformats.org/officeDocument/2006/math">
+                    <m:oMathParaPr>
+                      <m:jc m:val="centerGroup"/>
+                    </m:oMathParaPr>
+                    <m:oMath xmlns:m="http://schemas.openxmlformats.org/officeDocument/2006/math">
+                      <m:sSub>
+                        <m:sSubPr>
+                          <m:ctrlPr>
+                            <a:rPr kumimoji="1" lang="en-US" altLang="zh-CN" i="1" smtClean="0">
+                              <a:latin typeface="Cambria Math" panose="02040503050406030204" pitchFamily="18" charset="0"/>
+                            </a:rPr>
+                          </m:ctrlPr>
+                        </m:sSubPr>
+                        <m:e>
+                          <m:r>
+                            <a:rPr kumimoji="1" lang="en-US" altLang="zh-CN" b="0" i="1" smtClean="0">
+                              <a:latin typeface="Cambria Math" panose="02040503050406030204" pitchFamily="18" charset="0"/>
+                            </a:rPr>
+                            <m:t>𝑧</m:t>
+                          </m:r>
+                        </m:e>
+                        <m:sub>
+                          <m:r>
+                            <a:rPr kumimoji="1" lang="en-US" altLang="zh-CN" b="0" i="1" smtClean="0">
+                              <a:latin typeface="Cambria Math" panose="02040503050406030204" pitchFamily="18" charset="0"/>
+                            </a:rPr>
+                            <m:t>1</m:t>
+                          </m:r>
+                        </m:sub>
+                      </m:sSub>
+                    </m:oMath>
+                  </m:oMathPara>
+                </a14:m>
+                <a:endParaRPr kumimoji="1" lang="zh-CN" altLang="en-US" dirty="0"/>
+              </a:p>
+            </p:txBody>
+          </p:sp>
+        </mc:Choice>
+        <mc:Fallback>
+          <p:sp>
+            <p:nvSpPr>
+              <p:cNvPr id="6" name="文本框 5">
+                <a:extLst>
+                  <a:ext uri="{FF2B5EF4-FFF2-40B4-BE49-F238E27FC236}">
+                    <a16:creationId xmlns:a16="http://schemas.microsoft.com/office/drawing/2014/main" id="{0A40D7C4-1911-EBB9-3B49-BDEAD66D3E89}"/>
+                  </a:ext>
+                </a:extLst>
+              </p:cNvPr>
+              <p:cNvSpPr txBox="1">
+                <a:spLocks noRot="1" noChangeAspect="1" noMove="1" noResize="1" noEditPoints="1" noAdjustHandles="1" noChangeArrowheads="1" noChangeShapeType="1" noTextEdit="1"/>
+              </p:cNvSpPr>
+              <p:nvPr/>
+            </p:nvSpPr>
+            <p:spPr>
+              <a:xfrm>
+                <a:off x="5381297" y="5720834"/>
+                <a:ext cx="455766" cy="369332"/>
+              </a:xfrm>
+              <a:prstGeom prst="rect">
+                <a:avLst/>
+              </a:prstGeom>
+              <a:blipFill>
+                <a:blip r:embed="rId3"/>
+                <a:stretch>
+                  <a:fillRect/>
+                </a:stretch>
+              </a:blipFill>
+            </p:spPr>
+            <p:txBody>
+              <a:bodyPr/>
+              <a:lstStyle/>
+              <a:p>
+                <a:r>
+                  <a:rPr lang="zh-CN" altLang="en-US">
+                    <a:noFill/>
+                  </a:rPr>
+                  <a:t> </a:t>
+                </a:r>
+              </a:p>
+            </p:txBody>
+          </p:sp>
+        </mc:Fallback>
+      </mc:AlternateContent>
+      <mc:AlternateContent xmlns:mc="http://schemas.openxmlformats.org/markup-compatibility/2006">
+        <mc:Choice xmlns:a14="http://schemas.microsoft.com/office/drawing/2010/main" Requires="a14">
+          <p:sp>
+            <p:nvSpPr>
+              <p:cNvPr id="7" name="文本框 6">
+                <a:extLst>
+                  <a:ext uri="{FF2B5EF4-FFF2-40B4-BE49-F238E27FC236}">
+                    <a16:creationId xmlns:a16="http://schemas.microsoft.com/office/drawing/2014/main" id="{E8A3A605-9EE6-3A01-FB57-5D2026BE6F21}"/>
+                  </a:ext>
+                </a:extLst>
+              </p:cNvPr>
+              <p:cNvSpPr txBox="1"/>
+              <p:nvPr/>
+            </p:nvSpPr>
+            <p:spPr>
+              <a:xfrm>
+                <a:off x="3116317" y="3581979"/>
+                <a:ext cx="461087" cy="369332"/>
+              </a:xfrm>
+              <a:prstGeom prst="rect">
+                <a:avLst/>
+              </a:prstGeom>
+              <a:noFill/>
+            </p:spPr>
+            <p:txBody>
+              <a:bodyPr wrap="none" rtlCol="0">
+                <a:spAutoFit/>
+              </a:bodyPr>
+              <a:lstStyle/>
+              <a:p>
+                <a14:m>
+                  <m:oMathPara xmlns:m="http://schemas.openxmlformats.org/officeDocument/2006/math">
+                    <m:oMathParaPr>
+                      <m:jc m:val="centerGroup"/>
+                    </m:oMathParaPr>
+                    <m:oMath xmlns:m="http://schemas.openxmlformats.org/officeDocument/2006/math">
+                      <m:sSub>
+                        <m:sSubPr>
+                          <m:ctrlPr>
+                            <a:rPr kumimoji="1" lang="en-US" altLang="zh-CN" i="1" smtClean="0">
+                              <a:latin typeface="Cambria Math" panose="02040503050406030204" pitchFamily="18" charset="0"/>
+                            </a:rPr>
+                          </m:ctrlPr>
+                        </m:sSubPr>
+                        <m:e>
+                          <m:r>
+                            <a:rPr kumimoji="1" lang="en-US" altLang="zh-CN" b="0" i="1" smtClean="0">
+                              <a:latin typeface="Cambria Math" panose="02040503050406030204" pitchFamily="18" charset="0"/>
+                            </a:rPr>
+                            <m:t>𝑧</m:t>
+                          </m:r>
+                        </m:e>
+                        <m:sub>
+                          <m:r>
+                            <a:rPr kumimoji="1" lang="en-US" altLang="zh-CN" b="0" i="1" smtClean="0">
+                              <a:latin typeface="Cambria Math" panose="02040503050406030204" pitchFamily="18" charset="0"/>
+                            </a:rPr>
+                            <m:t>2</m:t>
+                          </m:r>
+                        </m:sub>
+                      </m:sSub>
+                    </m:oMath>
+                  </m:oMathPara>
+                </a14:m>
+                <a:endParaRPr kumimoji="1" lang="zh-CN" altLang="en-US" dirty="0"/>
+              </a:p>
+            </p:txBody>
+          </p:sp>
+        </mc:Choice>
+        <mc:Fallback>
+          <p:sp>
+            <p:nvSpPr>
+              <p:cNvPr id="7" name="文本框 6">
+                <a:extLst>
+                  <a:ext uri="{FF2B5EF4-FFF2-40B4-BE49-F238E27FC236}">
+                    <a16:creationId xmlns:a16="http://schemas.microsoft.com/office/drawing/2014/main" id="{E8A3A605-9EE6-3A01-FB57-5D2026BE6F21}"/>
+                  </a:ext>
+                </a:extLst>
+              </p:cNvPr>
+              <p:cNvSpPr txBox="1">
+                <a:spLocks noRot="1" noChangeAspect="1" noMove="1" noResize="1" noEditPoints="1" noAdjustHandles="1" noChangeArrowheads="1" noChangeShapeType="1" noTextEdit="1"/>
+              </p:cNvSpPr>
+              <p:nvPr/>
+            </p:nvSpPr>
+            <p:spPr>
+              <a:xfrm>
+                <a:off x="3116317" y="3581979"/>
+                <a:ext cx="461087" cy="369332"/>
+              </a:xfrm>
+              <a:prstGeom prst="rect">
+                <a:avLst/>
+              </a:prstGeom>
+              <a:blipFill>
+                <a:blip r:embed="rId4"/>
+                <a:stretch>
+                  <a:fillRect/>
+                </a:stretch>
+              </a:blipFill>
+            </p:spPr>
+            <p:txBody>
+              <a:bodyPr/>
+              <a:lstStyle/>
+              <a:p>
+                <a:r>
+                  <a:rPr lang="zh-CN" altLang="en-US">
+                    <a:noFill/>
+                  </a:rPr>
+                  <a:t> </a:t>
+                </a:r>
+              </a:p>
+            </p:txBody>
+          </p:sp>
+        </mc:Fallback>
+      </mc:AlternateContent>
+    </p:spTree>
+    <p:extLst>
+      <p:ext uri="{BB962C8B-B14F-4D97-AF65-F5344CB8AC3E}">
+        <p14:creationId xmlns:p14="http://schemas.microsoft.com/office/powerpoint/2010/main" val="4258600932"/>
+      </p:ext>
+    </p:extLst>
+  </p:cSld>
+  <p:clrMapOvr>
+    <a:masterClrMapping/>
+  </p:clrMapOvr>
+</p:sld>
+</file>
+
 <file path=ppt/theme/theme1.xml><?xml version="1.0" encoding="utf-8"?>
 <a:theme xmlns:a="http://schemas.openxmlformats.org/drawingml/2006/main" name="Office 主题​​">
   <a:themeElements>
